--- a/Kafedra/2024/КЗФ_презентації/Student/ФНМК_2025_Equipment.pptx
+++ b/Kafedra/2024/КЗФ_презентації/Student/ФНМК_2025_Equipment.pptx
@@ -9,7 +9,7 @@
     <p:sldMasterId id="2147483678" r:id="rId5"/>
   </p:sldMasterIdLst>
   <p:notesMasterIdLst>
-    <p:notesMasterId r:id="rId15"/>
+    <p:notesMasterId r:id="rId16"/>
   </p:notesMasterIdLst>
   <p:sldIdLst>
     <p:sldId id="261" r:id="rId6"/>
@@ -20,7 +20,8 @@
     <p:sldId id="279" r:id="rId11"/>
     <p:sldId id="281" r:id="rId12"/>
     <p:sldId id="282" r:id="rId13"/>
-    <p:sldId id="263" r:id="rId14"/>
+    <p:sldId id="283" r:id="rId14"/>
+    <p:sldId id="263" r:id="rId15"/>
   </p:sldIdLst>
   <p:sldSz cx="12192000" cy="6858000"/>
   <p:notesSz cx="6858000" cy="9144000"/>
@@ -212,7 +213,7 @@
           <a:p>
             <a:fld id="{463B0282-8424-47CA-9A5D-232B0FBA05D7}" type="datetimeFigureOut">
               <a:rPr lang="uk-UA" smtClean="0"/>
-              <a:t>03.02.2026</a:t>
+              <a:t>11.02.2026</a:t>
             </a:fld>
             <a:endParaRPr lang="uk-UA"/>
           </a:p>
@@ -7086,6 +7087,803 @@
 </p:sld>
 </file>
 
+<file path=ppt/slides/slide10.xml><?xml version="1.0" encoding="utf-8"?>
+<p:sld xmlns:a="http://schemas.openxmlformats.org/drawingml/2006/main" xmlns:r="http://schemas.openxmlformats.org/officeDocument/2006/relationships" xmlns:p="http://schemas.openxmlformats.org/presentationml/2006/main">
+  <p:cSld>
+    <p:spTree>
+      <p:nvGrpSpPr>
+        <p:cNvPr id="1" name=""/>
+        <p:cNvGrpSpPr/>
+        <p:nvPr/>
+      </p:nvGrpSpPr>
+      <p:grpSpPr>
+        <a:xfrm>
+          <a:off x="0" y="0"/>
+          <a:ext cx="0" cy="0"/>
+          <a:chOff x="0" y="0"/>
+          <a:chExt cx="0" cy="0"/>
+        </a:xfrm>
+      </p:grpSpPr>
+      <p:sp>
+        <p:nvSpPr>
+          <p:cNvPr id="30" name="Прямокутник 29"/>
+          <p:cNvSpPr/>
+          <p:nvPr/>
+        </p:nvSpPr>
+        <p:spPr>
+          <a:xfrm>
+            <a:off x="6143937" y="1339069"/>
+            <a:ext cx="6069172" cy="894116"/>
+          </a:xfrm>
+          <a:prstGeom prst="rect">
+            <a:avLst/>
+          </a:prstGeom>
+          <a:solidFill>
+            <a:srgbClr val="CC0000">
+              <a:alpha val="20000"/>
+            </a:srgbClr>
+          </a:solidFill>
+          <a:ln>
+            <a:noFill/>
+          </a:ln>
+          <a:effectLst>
+            <a:softEdge rad="317500"/>
+          </a:effectLst>
+        </p:spPr>
+        <p:style>
+          <a:lnRef idx="2">
+            <a:schemeClr val="accent1">
+              <a:shade val="50000"/>
+            </a:schemeClr>
+          </a:lnRef>
+          <a:fillRef idx="1">
+            <a:schemeClr val="accent1"/>
+          </a:fillRef>
+          <a:effectRef idx="0">
+            <a:schemeClr val="accent1"/>
+          </a:effectRef>
+          <a:fontRef idx="minor">
+            <a:schemeClr val="lt1"/>
+          </a:fontRef>
+        </p:style>
+        <p:txBody>
+          <a:bodyPr rtlCol="0" anchor="ctr"/>
+          <a:lstStyle/>
+          <a:p>
+            <a:pPr algn="ctr"/>
+            <a:endParaRPr lang="uk-UA"/>
+          </a:p>
+        </p:txBody>
+      </p:sp>
+      <p:sp>
+        <p:nvSpPr>
+          <p:cNvPr id="8" name="Прямокутник 7"/>
+          <p:cNvSpPr/>
+          <p:nvPr/>
+        </p:nvSpPr>
+        <p:spPr>
+          <a:xfrm>
+            <a:off x="7718" y="1353548"/>
+            <a:ext cx="6069172" cy="894116"/>
+          </a:xfrm>
+          <a:prstGeom prst="rect">
+            <a:avLst/>
+          </a:prstGeom>
+          <a:solidFill>
+            <a:srgbClr val="28B3BD">
+              <a:alpha val="20000"/>
+            </a:srgbClr>
+          </a:solidFill>
+          <a:ln>
+            <a:noFill/>
+          </a:ln>
+          <a:effectLst>
+            <a:softEdge rad="317500"/>
+          </a:effectLst>
+        </p:spPr>
+        <p:style>
+          <a:lnRef idx="2">
+            <a:schemeClr val="accent1">
+              <a:shade val="50000"/>
+            </a:schemeClr>
+          </a:lnRef>
+          <a:fillRef idx="1">
+            <a:schemeClr val="accent1"/>
+          </a:fillRef>
+          <a:effectRef idx="0">
+            <a:schemeClr val="accent1"/>
+          </a:effectRef>
+          <a:fontRef idx="minor">
+            <a:schemeClr val="lt1"/>
+          </a:fontRef>
+        </p:style>
+        <p:txBody>
+          <a:bodyPr rtlCol="0" anchor="ctr"/>
+          <a:lstStyle/>
+          <a:p>
+            <a:pPr algn="ctr"/>
+            <a:endParaRPr lang="uk-UA"/>
+          </a:p>
+        </p:txBody>
+      </p:sp>
+      <p:sp>
+        <p:nvSpPr>
+          <p:cNvPr id="2" name="Заголовок 1"/>
+          <p:cNvSpPr>
+            <a:spLocks noGrp="1"/>
+          </p:cNvSpPr>
+          <p:nvPr>
+            <p:ph type="title"/>
+          </p:nvPr>
+        </p:nvSpPr>
+        <p:spPr>
+          <a:xfrm>
+            <a:off x="0" y="440862"/>
+            <a:ext cx="12192000" cy="614933"/>
+          </a:xfrm>
+        </p:spPr>
+        <p:txBody>
+          <a:bodyPr>
+            <a:normAutofit/>
+          </a:bodyPr>
+          <a:lstStyle/>
+          <a:p>
+            <a:r>
+              <a:rPr lang="uk-UA" sz="3600" dirty="0">
+                <a:solidFill>
+                  <a:srgbClr val="002060"/>
+                </a:solidFill>
+              </a:rPr>
+              <a:t>Контактна інформація</a:t>
+            </a:r>
+          </a:p>
+        </p:txBody>
+      </p:sp>
+      <p:sp>
+        <p:nvSpPr>
+          <p:cNvPr id="36" name="TextBox 35"/>
+          <p:cNvSpPr txBox="1"/>
+          <p:nvPr/>
+        </p:nvSpPr>
+        <p:spPr>
+          <a:xfrm>
+            <a:off x="1084586" y="1509296"/>
+            <a:ext cx="4641014" cy="584775"/>
+          </a:xfrm>
+          <a:prstGeom prst="rect">
+            <a:avLst/>
+          </a:prstGeom>
+          <a:noFill/>
+        </p:spPr>
+        <p:txBody>
+          <a:bodyPr wrap="none" rtlCol="0">
+            <a:spAutoFit/>
+          </a:bodyPr>
+          <a:lstStyle/>
+          <a:p>
+            <a:r>
+              <a:rPr lang="uk-UA" sz="3200" b="1" dirty="0">
+                <a:solidFill>
+                  <a:srgbClr val="28B3BD"/>
+                </a:solidFill>
+              </a:rPr>
+              <a:t>Кафедра фізики металів</a:t>
+            </a:r>
+          </a:p>
+        </p:txBody>
+      </p:sp>
+      <p:sp>
+        <p:nvSpPr>
+          <p:cNvPr id="47" name="TextBox 46"/>
+          <p:cNvSpPr txBox="1"/>
+          <p:nvPr/>
+        </p:nvSpPr>
+        <p:spPr>
+          <a:xfrm>
+            <a:off x="7126771" y="1391923"/>
+            <a:ext cx="4972836" cy="584775"/>
+          </a:xfrm>
+          <a:prstGeom prst="rect">
+            <a:avLst/>
+          </a:prstGeom>
+          <a:noFill/>
+        </p:spPr>
+        <p:txBody>
+          <a:bodyPr wrap="none" rtlCol="0">
+            <a:spAutoFit/>
+          </a:bodyPr>
+          <a:lstStyle/>
+          <a:p>
+            <a:r>
+              <a:rPr lang="uk-UA" sz="3200" b="1" dirty="0">
+                <a:solidFill>
+                  <a:srgbClr val="CC0000"/>
+                </a:solidFill>
+              </a:rPr>
+              <a:t>Кафедра загальної фізики</a:t>
+            </a:r>
+          </a:p>
+        </p:txBody>
+      </p:sp>
+      <p:cxnSp>
+        <p:nvCxnSpPr>
+          <p:cNvPr id="4" name="Пряма сполучна лінія 3"/>
+          <p:cNvCxnSpPr/>
+          <p:nvPr/>
+        </p:nvCxnSpPr>
+        <p:spPr>
+          <a:xfrm flipH="1">
+            <a:off x="6106386" y="1391923"/>
+            <a:ext cx="0" cy="4978866"/>
+          </a:xfrm>
+          <a:prstGeom prst="line">
+            <a:avLst/>
+          </a:prstGeom>
+          <a:ln w="38100" cmpd="dbl">
+            <a:solidFill>
+              <a:schemeClr val="tx1"/>
+            </a:solidFill>
+          </a:ln>
+        </p:spPr>
+        <p:style>
+          <a:lnRef idx="1">
+            <a:schemeClr val="accent1"/>
+          </a:lnRef>
+          <a:fillRef idx="0">
+            <a:schemeClr val="accent1"/>
+          </a:fillRef>
+          <a:effectRef idx="0">
+            <a:schemeClr val="accent1"/>
+          </a:effectRef>
+          <a:fontRef idx="minor">
+            <a:schemeClr val="tx1"/>
+          </a:fontRef>
+        </p:style>
+      </p:cxnSp>
+      <p:pic>
+        <p:nvPicPr>
+          <p:cNvPr id="21" name="Рисунок 20"/>
+          <p:cNvPicPr>
+            <a:picLocks noChangeAspect="1"/>
+          </p:cNvPicPr>
+          <p:nvPr/>
+        </p:nvPicPr>
+        <p:blipFill>
+          <a:blip r:embed="rId2" cstate="print">
+            <a:extLst>
+              <a:ext uri="{28A0092B-C50C-407E-A947-70E740481C1C}">
+                <a14:useLocalDpi xmlns:a14="http://schemas.microsoft.com/office/drawing/2010/main" val="0"/>
+              </a:ext>
+            </a:extLst>
+          </a:blip>
+          <a:stretch>
+            <a:fillRect/>
+          </a:stretch>
+        </p:blipFill>
+        <p:spPr>
+          <a:xfrm>
+            <a:off x="74765" y="1412540"/>
+            <a:ext cx="812885" cy="811569"/>
+          </a:xfrm>
+          <a:prstGeom prst="rect">
+            <a:avLst/>
+          </a:prstGeom>
+          <a:ln>
+            <a:noFill/>
+          </a:ln>
+          <a:effectLst>
+            <a:outerShdw blurRad="50800" dist="38100" dir="18900000" algn="bl" rotWithShape="0">
+              <a:prstClr val="black">
+                <a:alpha val="40000"/>
+              </a:prstClr>
+            </a:outerShdw>
+          </a:effectLst>
+        </p:spPr>
+      </p:pic>
+      <p:pic>
+        <p:nvPicPr>
+          <p:cNvPr id="22" name="Рисунок 21"/>
+          <p:cNvPicPr>
+            <a:picLocks noChangeAspect="1"/>
+          </p:cNvPicPr>
+          <p:nvPr/>
+        </p:nvPicPr>
+        <p:blipFill>
+          <a:blip r:embed="rId3" cstate="print">
+            <a:extLst>
+              <a:ext uri="{28A0092B-C50C-407E-A947-70E740481C1C}">
+                <a14:useLocalDpi xmlns:a14="http://schemas.microsoft.com/office/drawing/2010/main" val="0"/>
+              </a:ext>
+            </a:extLst>
+          </a:blip>
+          <a:stretch>
+            <a:fillRect/>
+          </a:stretch>
+        </p:blipFill>
+        <p:spPr>
+          <a:xfrm>
+            <a:off x="6267368" y="1349444"/>
+            <a:ext cx="806400" cy="810000"/>
+          </a:xfrm>
+          <a:prstGeom prst="rect">
+            <a:avLst/>
+          </a:prstGeom>
+          <a:effectLst>
+            <a:outerShdw blurRad="50800" dist="38100" dir="18900000" algn="bl" rotWithShape="0">
+              <a:prstClr val="black">
+                <a:alpha val="40000"/>
+              </a:prstClr>
+            </a:outerShdw>
+          </a:effectLst>
+        </p:spPr>
+      </p:pic>
+      <p:sp>
+        <p:nvSpPr>
+          <p:cNvPr id="5" name="TextBox 4"/>
+          <p:cNvSpPr txBox="1"/>
+          <p:nvPr/>
+        </p:nvSpPr>
+        <p:spPr>
+          <a:xfrm>
+            <a:off x="787814" y="4230121"/>
+            <a:ext cx="3361818" cy="523220"/>
+          </a:xfrm>
+          <a:prstGeom prst="rect">
+            <a:avLst/>
+          </a:prstGeom>
+          <a:noFill/>
+        </p:spPr>
+        <p:txBody>
+          <a:bodyPr wrap="none" rtlCol="0">
+            <a:spAutoFit/>
+          </a:bodyPr>
+          <a:lstStyle/>
+          <a:p>
+            <a:r>
+              <a:rPr lang="en-US" sz="2800" dirty="0">
+                <a:solidFill>
+                  <a:srgbClr val="0070C0"/>
+                </a:solidFill>
+                <a:hlinkClick r:id="rId4"/>
+              </a:rPr>
+              <a:t>www.metphys.knu.ua</a:t>
+            </a:r>
+            <a:r>
+              <a:rPr lang="en-US" dirty="0"/>
+              <a:t> </a:t>
+            </a:r>
+            <a:endParaRPr lang="uk-UA" dirty="0"/>
+          </a:p>
+        </p:txBody>
+      </p:sp>
+      <p:sp>
+        <p:nvSpPr>
+          <p:cNvPr id="25" name="TextBox 24"/>
+          <p:cNvSpPr txBox="1"/>
+          <p:nvPr/>
+        </p:nvSpPr>
+        <p:spPr>
+          <a:xfrm>
+            <a:off x="7035883" y="4230121"/>
+            <a:ext cx="3491661" cy="523220"/>
+          </a:xfrm>
+          <a:prstGeom prst="rect">
+            <a:avLst/>
+          </a:prstGeom>
+          <a:noFill/>
+        </p:spPr>
+        <p:txBody>
+          <a:bodyPr wrap="none" rtlCol="0">
+            <a:spAutoFit/>
+          </a:bodyPr>
+          <a:lstStyle/>
+          <a:p>
+            <a:r>
+              <a:rPr lang="en-US" sz="2800" dirty="0">
+                <a:solidFill>
+                  <a:srgbClr val="0070C0"/>
+                </a:solidFill>
+                <a:hlinkClick r:id="rId5"/>
+              </a:rPr>
+              <a:t>www.gen.phys.knu.ua</a:t>
+            </a:r>
+            <a:r>
+              <a:rPr lang="en-US" sz="2800" dirty="0">
+                <a:solidFill>
+                  <a:srgbClr val="0070C0"/>
+                </a:solidFill>
+              </a:rPr>
+              <a:t> </a:t>
+            </a:r>
+            <a:r>
+              <a:rPr lang="en-US" dirty="0"/>
+              <a:t> </a:t>
+            </a:r>
+            <a:endParaRPr lang="uk-UA" dirty="0"/>
+          </a:p>
+        </p:txBody>
+      </p:sp>
+      <p:pic>
+        <p:nvPicPr>
+          <p:cNvPr id="6" name="Рисунок 5"/>
+          <p:cNvPicPr>
+            <a:picLocks noChangeAspect="1"/>
+          </p:cNvPicPr>
+          <p:nvPr/>
+        </p:nvPicPr>
+        <p:blipFill rotWithShape="1">
+          <a:blip r:embed="rId6" cstate="print">
+            <a:extLst>
+              <a:ext uri="{28A0092B-C50C-407E-A947-70E740481C1C}">
+                <a14:useLocalDpi xmlns:a14="http://schemas.microsoft.com/office/drawing/2010/main" val="0"/>
+              </a:ext>
+            </a:extLst>
+          </a:blip>
+          <a:srcRect r="81541" b="73201"/>
+          <a:stretch/>
+        </p:blipFill>
+        <p:spPr>
+          <a:xfrm>
+            <a:off x="108303" y="4149731"/>
+            <a:ext cx="679511" cy="684000"/>
+          </a:xfrm>
+          <a:prstGeom prst="rect">
+            <a:avLst/>
+          </a:prstGeom>
+        </p:spPr>
+      </p:pic>
+      <p:pic>
+        <p:nvPicPr>
+          <p:cNvPr id="27" name="Рисунок 26"/>
+          <p:cNvPicPr>
+            <a:picLocks noChangeAspect="1"/>
+          </p:cNvPicPr>
+          <p:nvPr/>
+        </p:nvPicPr>
+        <p:blipFill rotWithShape="1">
+          <a:blip r:embed="rId6" cstate="print">
+            <a:extLst>
+              <a:ext uri="{28A0092B-C50C-407E-A947-70E740481C1C}">
+                <a14:useLocalDpi xmlns:a14="http://schemas.microsoft.com/office/drawing/2010/main" val="0"/>
+              </a:ext>
+            </a:extLst>
+          </a:blip>
+          <a:srcRect r="81541" b="73201"/>
+          <a:stretch/>
+        </p:blipFill>
+        <p:spPr>
+          <a:xfrm>
+            <a:off x="6327102" y="4149731"/>
+            <a:ext cx="679511" cy="684000"/>
+          </a:xfrm>
+          <a:prstGeom prst="rect">
+            <a:avLst/>
+          </a:prstGeom>
+        </p:spPr>
+      </p:pic>
+      <p:sp>
+        <p:nvSpPr>
+          <p:cNvPr id="9" name="Прямокутник 8"/>
+          <p:cNvSpPr/>
+          <p:nvPr/>
+        </p:nvSpPr>
+        <p:spPr>
+          <a:xfrm>
+            <a:off x="786706" y="5581054"/>
+            <a:ext cx="4695516" cy="523220"/>
+          </a:xfrm>
+          <a:prstGeom prst="rect">
+            <a:avLst/>
+          </a:prstGeom>
+        </p:spPr>
+        <p:txBody>
+          <a:bodyPr wrap="none">
+            <a:spAutoFit/>
+          </a:bodyPr>
+          <a:lstStyle/>
+          <a:p>
+            <a:r>
+              <a:rPr lang="uk-UA" sz="2800" dirty="0">
+                <a:solidFill>
+                  <a:srgbClr val="0070C0"/>
+                </a:solidFill>
+              </a:rPr>
+              <a:t>facebook.com/</a:t>
+            </a:r>
+            <a:r>
+              <a:rPr lang="uk-UA" sz="2800" dirty="0" err="1">
+                <a:solidFill>
+                  <a:srgbClr val="0070C0"/>
+                </a:solidFill>
+              </a:rPr>
+              <a:t>groups</a:t>
+            </a:r>
+            <a:r>
+              <a:rPr lang="uk-UA" sz="2800" dirty="0">
+                <a:solidFill>
+                  <a:srgbClr val="0070C0"/>
+                </a:solidFill>
+              </a:rPr>
+              <a:t>/</a:t>
+            </a:r>
+            <a:r>
+              <a:rPr lang="uk-UA" sz="2800" dirty="0" err="1">
+                <a:solidFill>
+                  <a:srgbClr val="0070C0"/>
+                </a:solidFill>
+              </a:rPr>
+              <a:t>metphys</a:t>
+            </a:r>
+            <a:r>
+              <a:rPr lang="en-US" sz="2800" dirty="0">
+                <a:solidFill>
+                  <a:srgbClr val="0070C0"/>
+                </a:solidFill>
+              </a:rPr>
+              <a:t> </a:t>
+            </a:r>
+            <a:endParaRPr lang="uk-UA" sz="2800" dirty="0">
+              <a:solidFill>
+                <a:srgbClr val="0070C0"/>
+              </a:solidFill>
+            </a:endParaRPr>
+          </a:p>
+        </p:txBody>
+      </p:sp>
+      <p:pic>
+        <p:nvPicPr>
+          <p:cNvPr id="10" name="Рисунок 9"/>
+          <p:cNvPicPr>
+            <a:picLocks noChangeAspect="1"/>
+          </p:cNvPicPr>
+          <p:nvPr/>
+        </p:nvPicPr>
+        <p:blipFill>
+          <a:blip r:embed="rId7" cstate="print">
+            <a:extLst>
+              <a:ext uri="{28A0092B-C50C-407E-A947-70E740481C1C}">
+                <a14:useLocalDpi xmlns:a14="http://schemas.microsoft.com/office/drawing/2010/main" val="0"/>
+              </a:ext>
+            </a:extLst>
+          </a:blip>
+          <a:stretch>
+            <a:fillRect/>
+          </a:stretch>
+        </p:blipFill>
+        <p:spPr>
+          <a:xfrm>
+            <a:off x="-28006" y="5442090"/>
+            <a:ext cx="900000" cy="900000"/>
+          </a:xfrm>
+          <a:prstGeom prst="rect">
+            <a:avLst/>
+          </a:prstGeom>
+        </p:spPr>
+      </p:pic>
+      <p:sp>
+        <p:nvSpPr>
+          <p:cNvPr id="37" name="Прямокутник 36"/>
+          <p:cNvSpPr/>
+          <p:nvPr/>
+        </p:nvSpPr>
+        <p:spPr>
+          <a:xfrm>
+            <a:off x="6982517" y="5518931"/>
+            <a:ext cx="5222905" cy="461665"/>
+          </a:xfrm>
+          <a:prstGeom prst="rect">
+            <a:avLst/>
+          </a:prstGeom>
+        </p:spPr>
+        <p:txBody>
+          <a:bodyPr wrap="none">
+            <a:spAutoFit/>
+          </a:bodyPr>
+          <a:lstStyle/>
+          <a:p>
+            <a:r>
+              <a:rPr lang="en-US" sz="2400" dirty="0">
+                <a:solidFill>
+                  <a:srgbClr val="0070C0"/>
+                </a:solidFill>
+              </a:rPr>
+              <a:t>facebook.com/groups/485623833137100 </a:t>
+            </a:r>
+            <a:endParaRPr lang="uk-UA" sz="2400" dirty="0">
+              <a:solidFill>
+                <a:srgbClr val="0070C0"/>
+              </a:solidFill>
+            </a:endParaRPr>
+          </a:p>
+        </p:txBody>
+      </p:sp>
+      <p:pic>
+        <p:nvPicPr>
+          <p:cNvPr id="42" name="Рисунок 41"/>
+          <p:cNvPicPr>
+            <a:picLocks noChangeAspect="1"/>
+          </p:cNvPicPr>
+          <p:nvPr/>
+        </p:nvPicPr>
+        <p:blipFill>
+          <a:blip r:embed="rId7" cstate="print">
+            <a:extLst>
+              <a:ext uri="{28A0092B-C50C-407E-A947-70E740481C1C}">
+                <a14:useLocalDpi xmlns:a14="http://schemas.microsoft.com/office/drawing/2010/main" val="0"/>
+              </a:ext>
+            </a:extLst>
+          </a:blip>
+          <a:stretch>
+            <a:fillRect/>
+          </a:stretch>
+        </p:blipFill>
+        <p:spPr>
+          <a:xfrm>
+            <a:off x="6190566" y="5298929"/>
+            <a:ext cx="900000" cy="900000"/>
+          </a:xfrm>
+          <a:prstGeom prst="rect">
+            <a:avLst/>
+          </a:prstGeom>
+        </p:spPr>
+      </p:pic>
+      <p:pic>
+        <p:nvPicPr>
+          <p:cNvPr id="11" name="Рисунок 10"/>
+          <p:cNvPicPr>
+            <a:picLocks noChangeAspect="1"/>
+          </p:cNvPicPr>
+          <p:nvPr/>
+        </p:nvPicPr>
+        <p:blipFill>
+          <a:blip r:embed="rId8" cstate="print">
+            <a:extLst>
+              <a:ext uri="{28A0092B-C50C-407E-A947-70E740481C1C}">
+                <a14:useLocalDpi xmlns:a14="http://schemas.microsoft.com/office/drawing/2010/main" val="0"/>
+              </a:ext>
+            </a:extLst>
+          </a:blip>
+          <a:stretch>
+            <a:fillRect/>
+          </a:stretch>
+        </p:blipFill>
+        <p:spPr>
+          <a:xfrm>
+            <a:off x="66584" y="2837125"/>
+            <a:ext cx="720000" cy="720000"/>
+          </a:xfrm>
+          <a:prstGeom prst="rect">
+            <a:avLst/>
+          </a:prstGeom>
+        </p:spPr>
+      </p:pic>
+      <p:sp>
+        <p:nvSpPr>
+          <p:cNvPr id="43" name="TextBox 42"/>
+          <p:cNvSpPr txBox="1"/>
+          <p:nvPr/>
+        </p:nvSpPr>
+        <p:spPr>
+          <a:xfrm>
+            <a:off x="778270" y="2900654"/>
+            <a:ext cx="3565573" cy="523220"/>
+          </a:xfrm>
+          <a:prstGeom prst="rect">
+            <a:avLst/>
+          </a:prstGeom>
+          <a:noFill/>
+        </p:spPr>
+        <p:txBody>
+          <a:bodyPr wrap="square" rtlCol="0">
+            <a:spAutoFit/>
+          </a:bodyPr>
+          <a:lstStyle/>
+          <a:p>
+            <a:r>
+              <a:rPr lang="en-US" sz="2800" dirty="0">
+                <a:hlinkClick r:id="rId9"/>
+              </a:rPr>
+              <a:t>metphys@univ.net.ua</a:t>
+            </a:r>
+            <a:r>
+              <a:rPr lang="en-US" sz="2800" dirty="0"/>
+              <a:t> </a:t>
+            </a:r>
+            <a:endParaRPr lang="uk-UA" sz="2800" dirty="0"/>
+          </a:p>
+        </p:txBody>
+      </p:sp>
+      <p:pic>
+        <p:nvPicPr>
+          <p:cNvPr id="44" name="Рисунок 43"/>
+          <p:cNvPicPr>
+            <a:picLocks noChangeAspect="1"/>
+          </p:cNvPicPr>
+          <p:nvPr/>
+        </p:nvPicPr>
+        <p:blipFill>
+          <a:blip r:embed="rId8" cstate="print">
+            <a:extLst>
+              <a:ext uri="{28A0092B-C50C-407E-A947-70E740481C1C}">
+                <a14:useLocalDpi xmlns:a14="http://schemas.microsoft.com/office/drawing/2010/main" val="0"/>
+              </a:ext>
+            </a:extLst>
+          </a:blip>
+          <a:stretch>
+            <a:fillRect/>
+          </a:stretch>
+        </p:blipFill>
+        <p:spPr>
+          <a:xfrm>
+            <a:off x="6234206" y="2837125"/>
+            <a:ext cx="720000" cy="720000"/>
+          </a:xfrm>
+          <a:prstGeom prst="rect">
+            <a:avLst/>
+          </a:prstGeom>
+        </p:spPr>
+      </p:pic>
+      <p:sp>
+        <p:nvSpPr>
+          <p:cNvPr id="45" name="TextBox 44"/>
+          <p:cNvSpPr txBox="1"/>
+          <p:nvPr/>
+        </p:nvSpPr>
+        <p:spPr>
+          <a:xfrm>
+            <a:off x="6933962" y="2883962"/>
+            <a:ext cx="3565573" cy="523220"/>
+          </a:xfrm>
+          <a:prstGeom prst="rect">
+            <a:avLst/>
+          </a:prstGeom>
+          <a:noFill/>
+        </p:spPr>
+        <p:txBody>
+          <a:bodyPr wrap="square" rtlCol="0">
+            <a:spAutoFit/>
+          </a:bodyPr>
+          <a:lstStyle/>
+          <a:p>
+            <a:r>
+              <a:rPr lang="en-US" sz="2800" dirty="0">
+                <a:hlinkClick r:id="rId10"/>
+              </a:rPr>
+              <a:t>olegolikh@knu.ua</a:t>
+            </a:r>
+            <a:r>
+              <a:rPr lang="en-US" sz="2800" dirty="0"/>
+              <a:t>  </a:t>
+            </a:r>
+            <a:endParaRPr lang="uk-UA" sz="2800" dirty="0"/>
+          </a:p>
+        </p:txBody>
+      </p:sp>
+    </p:spTree>
+    <p:extLst>
+      <p:ext uri="{BB962C8B-B14F-4D97-AF65-F5344CB8AC3E}">
+        <p14:creationId xmlns:p14="http://schemas.microsoft.com/office/powerpoint/2010/main" val="3839437865"/>
+      </p:ext>
+    </p:extLst>
+  </p:cSld>
+  <p:clrMapOvr>
+    <a:masterClrMapping/>
+  </p:clrMapOvr>
+  <mc:AlternateContent xmlns:mc="http://schemas.openxmlformats.org/markup-compatibility/2006" xmlns:p14="http://schemas.microsoft.com/office/powerpoint/2010/main">
+    <mc:Choice Requires="p14">
+      <p:transition spd="slow" p14:dur="1500">
+        <p:split orient="vert"/>
+      </p:transition>
+    </mc:Choice>
+    <mc:Fallback xmlns="">
+      <p:transition spd="slow">
+        <p:split orient="vert"/>
+      </p:transition>
+    </mc:Fallback>
+  </mc:AlternateContent>
+</p:sld>
+</file>
+
 <file path=ppt/slides/slide2.xml><?xml version="1.0" encoding="utf-8"?>
 <p:sld xmlns:a="http://schemas.openxmlformats.org/drawingml/2006/main" xmlns:r="http://schemas.openxmlformats.org/officeDocument/2006/relationships" xmlns:p="http://schemas.openxmlformats.org/presentationml/2006/main">
   <p:cSld>
@@ -9972,364 +10770,6 @@
           <a:chExt cx="0" cy="0"/>
         </a:xfrm>
       </p:grpSpPr>
-      <p:pic>
-        <p:nvPicPr>
-          <p:cNvPr id="10" name="Рисунок 9">
-            <a:extLst>
-              <a:ext uri="{FF2B5EF4-FFF2-40B4-BE49-F238E27FC236}">
-                <a16:creationId xmlns:a16="http://schemas.microsoft.com/office/drawing/2014/main" id="{4C765A29-8DFB-26B8-C45E-36542BD8A231}"/>
-              </a:ext>
-            </a:extLst>
-          </p:cNvPr>
-          <p:cNvPicPr>
-            <a:picLocks noChangeAspect="1"/>
-          </p:cNvPicPr>
-          <p:nvPr/>
-        </p:nvPicPr>
-        <p:blipFill>
-          <a:blip r:embed="rId2">
-            <a:extLst>
-              <a:ext uri="{28A0092B-C50C-407E-A947-70E740481C1C}">
-                <a14:useLocalDpi xmlns:a14="http://schemas.microsoft.com/office/drawing/2010/main" val="0"/>
-              </a:ext>
-            </a:extLst>
-          </a:blip>
-          <a:stretch>
-            <a:fillRect/>
-          </a:stretch>
-        </p:blipFill>
-        <p:spPr>
-          <a:xfrm>
-            <a:off x="7747925" y="2447799"/>
-            <a:ext cx="4183765" cy="4183765"/>
-          </a:xfrm>
-          <a:prstGeom prst="rect">
-            <a:avLst/>
-          </a:prstGeom>
-        </p:spPr>
-      </p:pic>
-      <p:sp>
-        <p:nvSpPr>
-          <p:cNvPr id="17" name="Заголовок 1">
-            <a:extLst>
-              <a:ext uri="{FF2B5EF4-FFF2-40B4-BE49-F238E27FC236}">
-                <a16:creationId xmlns:a16="http://schemas.microsoft.com/office/drawing/2014/main" id="{1731D681-D4A2-116B-D811-363E043C19EC}"/>
-              </a:ext>
-            </a:extLst>
-          </p:cNvPr>
-          <p:cNvSpPr>
-            <a:spLocks noGrp="1"/>
-          </p:cNvSpPr>
-          <p:nvPr>
-            <p:ph type="title"/>
-          </p:nvPr>
-        </p:nvSpPr>
-        <p:spPr>
-          <a:xfrm>
-            <a:off x="0" y="304800"/>
-            <a:ext cx="12192000" cy="876803"/>
-          </a:xfrm>
-        </p:spPr>
-        <p:txBody>
-          <a:bodyPr>
-            <a:normAutofit fontScale="90000"/>
-          </a:bodyPr>
-          <a:lstStyle/>
-          <a:p>
-            <a:r>
-              <a:rPr lang="uk-UA" sz="3600" dirty="0">
-                <a:solidFill>
-                  <a:srgbClr val="002060"/>
-                </a:solidFill>
-                <a:sym typeface="Montserrat"/>
-              </a:rPr>
-              <a:t>ЗАКУПІВЛІ НОВОГО ОБЛАДНАННЯ</a:t>
-            </a:r>
-            <a:br>
-              <a:rPr lang="uk-UA" sz="3600" dirty="0">
-                <a:solidFill>
-                  <a:srgbClr val="002060"/>
-                </a:solidFill>
-                <a:sym typeface="Montserrat"/>
-              </a:rPr>
-            </a:br>
-            <a:r>
-              <a:rPr lang="en-US" sz="3600" dirty="0">
-                <a:solidFill>
-                  <a:srgbClr val="002060"/>
-                </a:solidFill>
-              </a:rPr>
-              <a:t>2021 – 202</a:t>
-            </a:r>
-            <a:r>
-              <a:rPr lang="uk-UA" sz="3600" dirty="0">
-                <a:solidFill>
-                  <a:srgbClr val="002060"/>
-                </a:solidFill>
-              </a:rPr>
-              <a:t>5</a:t>
-            </a:r>
-            <a:r>
-              <a:rPr lang="en-US" sz="3600" dirty="0">
-                <a:solidFill>
-                  <a:srgbClr val="002060"/>
-                </a:solidFill>
-              </a:rPr>
-              <a:t> </a:t>
-            </a:r>
-            <a:r>
-              <a:rPr lang="uk-UA" sz="3600" dirty="0">
-                <a:solidFill>
-                  <a:srgbClr val="002060"/>
-                </a:solidFill>
-              </a:rPr>
-              <a:t>р</a:t>
-            </a:r>
-          </a:p>
-        </p:txBody>
-      </p:sp>
-      <p:sp>
-        <p:nvSpPr>
-          <p:cNvPr id="20" name="TextBox 19">
-            <a:extLst>
-              <a:ext uri="{FF2B5EF4-FFF2-40B4-BE49-F238E27FC236}">
-                <a16:creationId xmlns:a16="http://schemas.microsoft.com/office/drawing/2014/main" id="{F199F0E4-7813-50FD-6F02-492E4AEFF73B}"/>
-              </a:ext>
-            </a:extLst>
-          </p:cNvPr>
-          <p:cNvSpPr txBox="1"/>
-          <p:nvPr/>
-        </p:nvSpPr>
-        <p:spPr>
-          <a:xfrm>
-            <a:off x="4310838" y="1557988"/>
-            <a:ext cx="5248309" cy="1200329"/>
-          </a:xfrm>
-          <a:prstGeom prst="rect">
-            <a:avLst/>
-          </a:prstGeom>
-          <a:noFill/>
-        </p:spPr>
-        <p:txBody>
-          <a:bodyPr wrap="square">
-            <a:spAutoFit/>
-          </a:bodyPr>
-          <a:lstStyle/>
-          <a:p>
-            <a:r>
-              <a:rPr lang="ru-RU" sz="3600" b="1" dirty="0" err="1">
-                <a:solidFill>
-                  <a:srgbClr val="002060"/>
-                </a:solidFill>
-              </a:rPr>
-              <a:t>Планетарний</a:t>
-            </a:r>
-            <a:r>
-              <a:rPr lang="ru-RU" sz="3600" b="1" dirty="0">
-                <a:solidFill>
-                  <a:srgbClr val="002060"/>
-                </a:solidFill>
-              </a:rPr>
-              <a:t> </a:t>
-            </a:r>
-            <a:r>
-              <a:rPr lang="ru-RU" sz="3600" b="1" dirty="0" err="1">
-                <a:solidFill>
-                  <a:srgbClr val="002060"/>
-                </a:solidFill>
-              </a:rPr>
-              <a:t>кульовий</a:t>
-            </a:r>
-            <a:r>
-              <a:rPr lang="ru-RU" sz="3600" b="1" dirty="0">
-                <a:solidFill>
-                  <a:srgbClr val="002060"/>
-                </a:solidFill>
-              </a:rPr>
-              <a:t> </a:t>
-            </a:r>
-            <a:r>
-              <a:rPr lang="ru-RU" sz="3600" b="1" dirty="0" err="1">
-                <a:solidFill>
-                  <a:srgbClr val="002060"/>
-                </a:solidFill>
-              </a:rPr>
-              <a:t>млин</a:t>
-            </a:r>
-            <a:r>
-              <a:rPr lang="ru-RU" sz="3600" b="1" dirty="0">
-                <a:solidFill>
-                  <a:srgbClr val="002060"/>
-                </a:solidFill>
-              </a:rPr>
-              <a:t> ВМ6</a:t>
-            </a:r>
-            <a:r>
-              <a:rPr lang="en-US" sz="3600" b="1" dirty="0">
-                <a:solidFill>
-                  <a:srgbClr val="002060"/>
-                </a:solidFill>
-              </a:rPr>
-              <a:t>Pro </a:t>
-            </a:r>
-            <a:endParaRPr lang="fr-FR" sz="3600" b="1" dirty="0">
-              <a:solidFill>
-                <a:srgbClr val="082765"/>
-              </a:solidFill>
-            </a:endParaRPr>
-          </a:p>
-        </p:txBody>
-      </p:sp>
-      <p:sp>
-        <p:nvSpPr>
-          <p:cNvPr id="29" name="TextBox 28">
-            <a:extLst>
-              <a:ext uri="{FF2B5EF4-FFF2-40B4-BE49-F238E27FC236}">
-                <a16:creationId xmlns:a16="http://schemas.microsoft.com/office/drawing/2014/main" id="{99EF7AC0-B1F7-6458-1ABD-D3946C6234EC}"/>
-              </a:ext>
-            </a:extLst>
-          </p:cNvPr>
-          <p:cNvSpPr txBox="1"/>
-          <p:nvPr/>
-        </p:nvSpPr>
-        <p:spPr>
-          <a:xfrm>
-            <a:off x="4310838" y="2856486"/>
-            <a:ext cx="2947647" cy="584775"/>
-          </a:xfrm>
-          <a:prstGeom prst="rect">
-            <a:avLst/>
-          </a:prstGeom>
-          <a:noFill/>
-        </p:spPr>
-        <p:txBody>
-          <a:bodyPr wrap="square">
-            <a:spAutoFit/>
-          </a:bodyPr>
-          <a:lstStyle/>
-          <a:p>
-            <a:pPr lvl="0"/>
-            <a:r>
-              <a:rPr lang="uk-UA" sz="3200" b="1" dirty="0">
-                <a:solidFill>
-                  <a:srgbClr val="C00000"/>
-                </a:solidFill>
-                <a:latin typeface="Open Sans"/>
-                <a:ea typeface="Open Sans"/>
-                <a:cs typeface="Open Sans"/>
-              </a:rPr>
-              <a:t>400 тис. грн.</a:t>
-            </a:r>
-          </a:p>
-        </p:txBody>
-      </p:sp>
-      <p:sp>
-        <p:nvSpPr>
-          <p:cNvPr id="7" name="TextBox 6">
-            <a:extLst>
-              <a:ext uri="{FF2B5EF4-FFF2-40B4-BE49-F238E27FC236}">
-                <a16:creationId xmlns:a16="http://schemas.microsoft.com/office/drawing/2014/main" id="{0FB3D34E-2964-7F53-7575-E713C5015A68}"/>
-              </a:ext>
-            </a:extLst>
-          </p:cNvPr>
-          <p:cNvSpPr txBox="1"/>
-          <p:nvPr/>
-        </p:nvSpPr>
-        <p:spPr>
-          <a:xfrm>
-            <a:off x="1577313" y="4520633"/>
-            <a:ext cx="5952597" cy="1200329"/>
-          </a:xfrm>
-          <a:prstGeom prst="rect">
-            <a:avLst/>
-          </a:prstGeom>
-          <a:noFill/>
-        </p:spPr>
-        <p:txBody>
-          <a:bodyPr wrap="square">
-            <a:spAutoFit/>
-          </a:bodyPr>
-          <a:lstStyle/>
-          <a:p>
-            <a:pPr algn="r"/>
-            <a:r>
-              <a:rPr lang="ru-RU" sz="3600" b="1" dirty="0" err="1">
-                <a:solidFill>
-                  <a:srgbClr val="002060"/>
-                </a:solidFill>
-              </a:rPr>
-              <a:t>Фрезерний</a:t>
-            </a:r>
-            <a:r>
-              <a:rPr lang="ru-RU" sz="3600" b="1" dirty="0">
-                <a:solidFill>
-                  <a:srgbClr val="002060"/>
-                </a:solidFill>
-              </a:rPr>
-              <a:t> станок ЧПУ “Сокол 3040”</a:t>
-            </a:r>
-            <a:endParaRPr lang="uk-UA" sz="3600" b="1" dirty="0">
-              <a:solidFill>
-                <a:srgbClr val="082765"/>
-              </a:solidFill>
-            </a:endParaRPr>
-          </a:p>
-        </p:txBody>
-      </p:sp>
-      <p:sp>
-        <p:nvSpPr>
-          <p:cNvPr id="8" name="TextBox 7">
-            <a:extLst>
-              <a:ext uri="{FF2B5EF4-FFF2-40B4-BE49-F238E27FC236}">
-                <a16:creationId xmlns:a16="http://schemas.microsoft.com/office/drawing/2014/main" id="{6B29EC30-E8C8-A758-88FF-6A3167709762}"/>
-              </a:ext>
-            </a:extLst>
-          </p:cNvPr>
-          <p:cNvSpPr txBox="1"/>
-          <p:nvPr/>
-        </p:nvSpPr>
-        <p:spPr>
-          <a:xfrm>
-            <a:off x="4955457" y="5664147"/>
-            <a:ext cx="2947647" cy="584775"/>
-          </a:xfrm>
-          <a:prstGeom prst="rect">
-            <a:avLst/>
-          </a:prstGeom>
-          <a:noFill/>
-        </p:spPr>
-        <p:txBody>
-          <a:bodyPr wrap="square">
-            <a:spAutoFit/>
-          </a:bodyPr>
-          <a:lstStyle/>
-          <a:p>
-            <a:pPr lvl="0"/>
-            <a:r>
-              <a:rPr lang="en-US" sz="3200" b="1" dirty="0">
-                <a:solidFill>
-                  <a:srgbClr val="C00000"/>
-                </a:solidFill>
-                <a:latin typeface="Open Sans"/>
-                <a:ea typeface="Open Sans"/>
-                <a:cs typeface="Open Sans"/>
-              </a:rPr>
-              <a:t>4</a:t>
-            </a:r>
-            <a:r>
-              <a:rPr lang="uk-UA" sz="3200" b="1" dirty="0">
-                <a:solidFill>
-                  <a:srgbClr val="C00000"/>
-                </a:solidFill>
-                <a:latin typeface="Open Sans"/>
-                <a:ea typeface="Open Sans"/>
-                <a:cs typeface="Open Sans"/>
-              </a:rPr>
-              <a:t>5 тис. грн.</a:t>
-            </a:r>
-          </a:p>
-        </p:txBody>
-      </p:sp>
       <p:sp>
         <p:nvSpPr>
           <p:cNvPr id="5" name="Rectangle 1">
@@ -10438,10 +10878,46 @@
       </p:sp>
       <p:pic>
         <p:nvPicPr>
-          <p:cNvPr id="6" name="Рисунок 5">
+          <p:cNvPr id="9" name="Рисунок 8">
             <a:extLst>
               <a:ext uri="{FF2B5EF4-FFF2-40B4-BE49-F238E27FC236}">
-                <a16:creationId xmlns:a16="http://schemas.microsoft.com/office/drawing/2014/main" id="{CB30FACD-ECFB-A750-34D6-5CC7A239E7A2}"/>
+                <a16:creationId xmlns:a16="http://schemas.microsoft.com/office/drawing/2014/main" id="{62E70428-40A6-A2B5-164E-D223B7932293}"/>
+              </a:ext>
+            </a:extLst>
+          </p:cNvPr>
+          <p:cNvPicPr>
+            <a:picLocks noChangeAspect="1"/>
+          </p:cNvPicPr>
+          <p:nvPr/>
+        </p:nvPicPr>
+        <p:blipFill>
+          <a:blip r:embed="rId2">
+            <a:extLst>
+              <a:ext uri="{28A0092B-C50C-407E-A947-70E740481C1C}">
+                <a14:useLocalDpi xmlns:a14="http://schemas.microsoft.com/office/drawing/2010/main" val="0"/>
+              </a:ext>
+            </a:extLst>
+          </a:blip>
+          <a:stretch>
+            <a:fillRect/>
+          </a:stretch>
+        </p:blipFill>
+        <p:spPr>
+          <a:xfrm>
+            <a:off x="100627" y="422633"/>
+            <a:ext cx="6368999" cy="3586637"/>
+          </a:xfrm>
+          <a:prstGeom prst="rect">
+            <a:avLst/>
+          </a:prstGeom>
+        </p:spPr>
+      </p:pic>
+      <p:pic>
+        <p:nvPicPr>
+          <p:cNvPr id="12" name="Рисунок 11">
+            <a:extLst>
+              <a:ext uri="{FF2B5EF4-FFF2-40B4-BE49-F238E27FC236}">
+                <a16:creationId xmlns:a16="http://schemas.microsoft.com/office/drawing/2014/main" id="{4E72A385-2F72-CEFA-2EC7-9A6161D5CCE8}"/>
               </a:ext>
             </a:extLst>
           </p:cNvPr>
@@ -10458,15 +10934,14 @@
               </a:ext>
             </a:extLst>
           </a:blip>
-          <a:srcRect l="13441" t="17230" r="21026" b="17230"/>
           <a:stretch>
             <a:fillRect/>
           </a:stretch>
         </p:blipFill>
         <p:spPr>
           <a:xfrm>
-            <a:off x="957877" y="1266519"/>
-            <a:ext cx="3187898" cy="3188247"/>
+            <a:off x="5129981" y="2733369"/>
+            <a:ext cx="6759401" cy="3802163"/>
           </a:xfrm>
           <a:prstGeom prst="rect">
             <a:avLst/>
@@ -10494,7 +10969,13 @@
   <p:cSld>
     <p:spTree>
       <p:nvGrpSpPr>
-        <p:cNvPr id="1" name=""/>
+        <p:cNvPr id="1" name="">
+          <a:extLst>
+            <a:ext uri="{FF2B5EF4-FFF2-40B4-BE49-F238E27FC236}">
+              <a16:creationId xmlns:a16="http://schemas.microsoft.com/office/drawing/2014/main" id="{83BB47F1-2CE4-04D1-CFD4-751496F7978E}"/>
+            </a:ext>
+          </a:extLst>
+        </p:cNvPr>
         <p:cNvGrpSpPr/>
         <p:nvPr/>
       </p:nvGrpSpPr>
@@ -10506,252 +10987,22 @@
           <a:chExt cx="0" cy="0"/>
         </a:xfrm>
       </p:grpSpPr>
-      <p:sp>
-        <p:nvSpPr>
-          <p:cNvPr id="30" name="Прямокутник 29"/>
-          <p:cNvSpPr/>
-          <p:nvPr/>
-        </p:nvSpPr>
-        <p:spPr>
-          <a:xfrm>
-            <a:off x="6143937" y="1339069"/>
-            <a:ext cx="6069172" cy="894116"/>
-          </a:xfrm>
-          <a:prstGeom prst="rect">
-            <a:avLst/>
-          </a:prstGeom>
-          <a:solidFill>
-            <a:srgbClr val="CC0000">
-              <a:alpha val="20000"/>
-            </a:srgbClr>
-          </a:solidFill>
-          <a:ln>
-            <a:noFill/>
-          </a:ln>
-          <a:effectLst>
-            <a:softEdge rad="317500"/>
-          </a:effectLst>
-        </p:spPr>
-        <p:style>
-          <a:lnRef idx="2">
-            <a:schemeClr val="accent1">
-              <a:shade val="50000"/>
-            </a:schemeClr>
-          </a:lnRef>
-          <a:fillRef idx="1">
-            <a:schemeClr val="accent1"/>
-          </a:fillRef>
-          <a:effectRef idx="0">
-            <a:schemeClr val="accent1"/>
-          </a:effectRef>
-          <a:fontRef idx="minor">
-            <a:schemeClr val="lt1"/>
-          </a:fontRef>
-        </p:style>
-        <p:txBody>
-          <a:bodyPr rtlCol="0" anchor="ctr"/>
-          <a:lstStyle/>
-          <a:p>
-            <a:pPr algn="ctr"/>
-            <a:endParaRPr lang="uk-UA"/>
-          </a:p>
-        </p:txBody>
-      </p:sp>
-      <p:sp>
-        <p:nvSpPr>
-          <p:cNvPr id="8" name="Прямокутник 7"/>
-          <p:cNvSpPr/>
-          <p:nvPr/>
-        </p:nvSpPr>
-        <p:spPr>
-          <a:xfrm>
-            <a:off x="7718" y="1353548"/>
-            <a:ext cx="6069172" cy="894116"/>
-          </a:xfrm>
-          <a:prstGeom prst="rect">
-            <a:avLst/>
-          </a:prstGeom>
-          <a:solidFill>
-            <a:srgbClr val="28B3BD">
-              <a:alpha val="20000"/>
-            </a:srgbClr>
-          </a:solidFill>
-          <a:ln>
-            <a:noFill/>
-          </a:ln>
-          <a:effectLst>
-            <a:softEdge rad="317500"/>
-          </a:effectLst>
-        </p:spPr>
-        <p:style>
-          <a:lnRef idx="2">
-            <a:schemeClr val="accent1">
-              <a:shade val="50000"/>
-            </a:schemeClr>
-          </a:lnRef>
-          <a:fillRef idx="1">
-            <a:schemeClr val="accent1"/>
-          </a:fillRef>
-          <a:effectRef idx="0">
-            <a:schemeClr val="accent1"/>
-          </a:effectRef>
-          <a:fontRef idx="minor">
-            <a:schemeClr val="lt1"/>
-          </a:fontRef>
-        </p:style>
-        <p:txBody>
-          <a:bodyPr rtlCol="0" anchor="ctr"/>
-          <a:lstStyle/>
-          <a:p>
-            <a:pPr algn="ctr"/>
-            <a:endParaRPr lang="uk-UA"/>
-          </a:p>
-        </p:txBody>
-      </p:sp>
-      <p:sp>
-        <p:nvSpPr>
-          <p:cNvPr id="2" name="Заголовок 1"/>
-          <p:cNvSpPr>
-            <a:spLocks noGrp="1"/>
-          </p:cNvSpPr>
-          <p:nvPr>
-            <p:ph type="title"/>
-          </p:nvPr>
-        </p:nvSpPr>
-        <p:spPr>
-          <a:xfrm>
-            <a:off x="0" y="440862"/>
-            <a:ext cx="12192000" cy="614933"/>
-          </a:xfrm>
-        </p:spPr>
-        <p:txBody>
-          <a:bodyPr>
-            <a:normAutofit/>
-          </a:bodyPr>
-          <a:lstStyle/>
-          <a:p>
-            <a:r>
-              <a:rPr lang="uk-UA" sz="3600" dirty="0">
-                <a:solidFill>
-                  <a:srgbClr val="002060"/>
-                </a:solidFill>
-              </a:rPr>
-              <a:t>Контактна інформація</a:t>
-            </a:r>
-          </a:p>
-        </p:txBody>
-      </p:sp>
-      <p:sp>
-        <p:nvSpPr>
-          <p:cNvPr id="36" name="TextBox 35"/>
-          <p:cNvSpPr txBox="1"/>
-          <p:nvPr/>
-        </p:nvSpPr>
-        <p:spPr>
-          <a:xfrm>
-            <a:off x="1084586" y="1509296"/>
-            <a:ext cx="4641014" cy="584775"/>
-          </a:xfrm>
-          <a:prstGeom prst="rect">
-            <a:avLst/>
-          </a:prstGeom>
-          <a:noFill/>
-        </p:spPr>
-        <p:txBody>
-          <a:bodyPr wrap="none" rtlCol="0">
-            <a:spAutoFit/>
-          </a:bodyPr>
-          <a:lstStyle/>
-          <a:p>
-            <a:r>
-              <a:rPr lang="uk-UA" sz="3200" b="1" dirty="0">
-                <a:solidFill>
-                  <a:srgbClr val="28B3BD"/>
-                </a:solidFill>
-              </a:rPr>
-              <a:t>Кафедра фізики металів</a:t>
-            </a:r>
-          </a:p>
-        </p:txBody>
-      </p:sp>
-      <p:sp>
-        <p:nvSpPr>
-          <p:cNvPr id="47" name="TextBox 46"/>
-          <p:cNvSpPr txBox="1"/>
-          <p:nvPr/>
-        </p:nvSpPr>
-        <p:spPr>
-          <a:xfrm>
-            <a:off x="7126771" y="1391923"/>
-            <a:ext cx="4972836" cy="584775"/>
-          </a:xfrm>
-          <a:prstGeom prst="rect">
-            <a:avLst/>
-          </a:prstGeom>
-          <a:noFill/>
-        </p:spPr>
-        <p:txBody>
-          <a:bodyPr wrap="none" rtlCol="0">
-            <a:spAutoFit/>
-          </a:bodyPr>
-          <a:lstStyle/>
-          <a:p>
-            <a:r>
-              <a:rPr lang="uk-UA" sz="3200" b="1" dirty="0">
-                <a:solidFill>
-                  <a:srgbClr val="CC0000"/>
-                </a:solidFill>
-              </a:rPr>
-              <a:t>Кафедра загальної фізики</a:t>
-            </a:r>
-          </a:p>
-        </p:txBody>
-      </p:sp>
-      <p:cxnSp>
-        <p:nvCxnSpPr>
-          <p:cNvPr id="4" name="Пряма сполучна лінія 3"/>
-          <p:cNvCxnSpPr/>
-          <p:nvPr/>
-        </p:nvCxnSpPr>
-        <p:spPr>
-          <a:xfrm flipH="1">
-            <a:off x="6106386" y="1391923"/>
-            <a:ext cx="0" cy="4978866"/>
-          </a:xfrm>
-          <a:prstGeom prst="line">
-            <a:avLst/>
-          </a:prstGeom>
-          <a:ln w="38100" cmpd="dbl">
-            <a:solidFill>
-              <a:schemeClr val="tx1"/>
-            </a:solidFill>
-          </a:ln>
-        </p:spPr>
-        <p:style>
-          <a:lnRef idx="1">
-            <a:schemeClr val="accent1"/>
-          </a:lnRef>
-          <a:fillRef idx="0">
-            <a:schemeClr val="accent1"/>
-          </a:fillRef>
-          <a:effectRef idx="0">
-            <a:schemeClr val="accent1"/>
-          </a:effectRef>
-          <a:fontRef idx="minor">
-            <a:schemeClr val="tx1"/>
-          </a:fontRef>
-        </p:style>
-      </p:cxnSp>
       <p:pic>
         <p:nvPicPr>
-          <p:cNvPr id="21" name="Рисунок 20"/>
+          <p:cNvPr id="10" name="Рисунок 9">
+            <a:extLst>
+              <a:ext uri="{FF2B5EF4-FFF2-40B4-BE49-F238E27FC236}">
+                <a16:creationId xmlns:a16="http://schemas.microsoft.com/office/drawing/2014/main" id="{30CDEC1F-B614-B5CE-4E8E-7CAA29780C76}"/>
+              </a:ext>
+            </a:extLst>
+          </p:cNvPr>
           <p:cNvPicPr>
             <a:picLocks noChangeAspect="1"/>
           </p:cNvPicPr>
           <p:nvPr/>
         </p:nvPicPr>
         <p:blipFill>
-          <a:blip r:embed="rId2" cstate="print">
+          <a:blip r:embed="rId2">
             <a:extLst>
               <a:ext uri="{28A0092B-C50C-407E-A947-70E740481C1C}">
                 <a14:useLocalDpi xmlns:a14="http://schemas.microsoft.com/office/drawing/2010/main" val="0"/>
@@ -10764,525 +11015,492 @@
         </p:blipFill>
         <p:spPr>
           <a:xfrm>
-            <a:off x="74765" y="1412540"/>
-            <a:ext cx="812885" cy="811569"/>
+            <a:off x="7747925" y="2447799"/>
+            <a:ext cx="4183765" cy="4183765"/>
           </a:xfrm>
           <a:prstGeom prst="rect">
             <a:avLst/>
           </a:prstGeom>
+        </p:spPr>
+      </p:pic>
+      <p:sp>
+        <p:nvSpPr>
+          <p:cNvPr id="17" name="Заголовок 1">
+            <a:extLst>
+              <a:ext uri="{FF2B5EF4-FFF2-40B4-BE49-F238E27FC236}">
+                <a16:creationId xmlns:a16="http://schemas.microsoft.com/office/drawing/2014/main" id="{ADEF520F-0A5D-C428-D315-7D0859570CDF}"/>
+              </a:ext>
+            </a:extLst>
+          </p:cNvPr>
+          <p:cNvSpPr>
+            <a:spLocks noGrp="1"/>
+          </p:cNvSpPr>
+          <p:nvPr>
+            <p:ph type="title"/>
+          </p:nvPr>
+        </p:nvSpPr>
+        <p:spPr>
+          <a:xfrm>
+            <a:off x="0" y="304800"/>
+            <a:ext cx="12192000" cy="876803"/>
+          </a:xfrm>
+        </p:spPr>
+        <p:txBody>
+          <a:bodyPr>
+            <a:normAutofit fontScale="90000"/>
+          </a:bodyPr>
+          <a:lstStyle/>
+          <a:p>
+            <a:r>
+              <a:rPr lang="uk-UA" sz="3600" dirty="0">
+                <a:solidFill>
+                  <a:srgbClr val="002060"/>
+                </a:solidFill>
+                <a:sym typeface="Montserrat"/>
+              </a:rPr>
+              <a:t>ЗАКУПІВЛІ НОВОГО ОБЛАДНАННЯ</a:t>
+            </a:r>
+            <a:br>
+              <a:rPr lang="uk-UA" sz="3600" dirty="0">
+                <a:solidFill>
+                  <a:srgbClr val="002060"/>
+                </a:solidFill>
+                <a:sym typeface="Montserrat"/>
+              </a:rPr>
+            </a:br>
+            <a:r>
+              <a:rPr lang="en-US" sz="3600" dirty="0">
+                <a:solidFill>
+                  <a:srgbClr val="002060"/>
+                </a:solidFill>
+              </a:rPr>
+              <a:t>2021 – 202</a:t>
+            </a:r>
+            <a:r>
+              <a:rPr lang="uk-UA" sz="3600" dirty="0">
+                <a:solidFill>
+                  <a:srgbClr val="002060"/>
+                </a:solidFill>
+              </a:rPr>
+              <a:t>5</a:t>
+            </a:r>
+            <a:r>
+              <a:rPr lang="en-US" sz="3600" dirty="0">
+                <a:solidFill>
+                  <a:srgbClr val="002060"/>
+                </a:solidFill>
+              </a:rPr>
+              <a:t> </a:t>
+            </a:r>
+            <a:r>
+              <a:rPr lang="uk-UA" sz="3600" dirty="0">
+                <a:solidFill>
+                  <a:srgbClr val="002060"/>
+                </a:solidFill>
+              </a:rPr>
+              <a:t>р</a:t>
+            </a:r>
+          </a:p>
+        </p:txBody>
+      </p:sp>
+      <p:sp>
+        <p:nvSpPr>
+          <p:cNvPr id="20" name="TextBox 19">
+            <a:extLst>
+              <a:ext uri="{FF2B5EF4-FFF2-40B4-BE49-F238E27FC236}">
+                <a16:creationId xmlns:a16="http://schemas.microsoft.com/office/drawing/2014/main" id="{6A42A6B8-FBAF-C6FB-6A2F-23237713F6F9}"/>
+              </a:ext>
+            </a:extLst>
+          </p:cNvPr>
+          <p:cNvSpPr txBox="1"/>
+          <p:nvPr/>
+        </p:nvSpPr>
+        <p:spPr>
+          <a:xfrm>
+            <a:off x="4310838" y="1557988"/>
+            <a:ext cx="5248309" cy="1200329"/>
+          </a:xfrm>
+          <a:prstGeom prst="rect">
+            <a:avLst/>
+          </a:prstGeom>
+          <a:noFill/>
+        </p:spPr>
+        <p:txBody>
+          <a:bodyPr wrap="square">
+            <a:spAutoFit/>
+          </a:bodyPr>
+          <a:lstStyle/>
+          <a:p>
+            <a:r>
+              <a:rPr lang="ru-RU" sz="3600" b="1" dirty="0" err="1">
+                <a:solidFill>
+                  <a:srgbClr val="002060"/>
+                </a:solidFill>
+              </a:rPr>
+              <a:t>Планетарний</a:t>
+            </a:r>
+            <a:r>
+              <a:rPr lang="ru-RU" sz="3600" b="1" dirty="0">
+                <a:solidFill>
+                  <a:srgbClr val="002060"/>
+                </a:solidFill>
+              </a:rPr>
+              <a:t> </a:t>
+            </a:r>
+            <a:r>
+              <a:rPr lang="ru-RU" sz="3600" b="1" dirty="0" err="1">
+                <a:solidFill>
+                  <a:srgbClr val="002060"/>
+                </a:solidFill>
+              </a:rPr>
+              <a:t>кульовий</a:t>
+            </a:r>
+            <a:r>
+              <a:rPr lang="ru-RU" sz="3600" b="1" dirty="0">
+                <a:solidFill>
+                  <a:srgbClr val="002060"/>
+                </a:solidFill>
+              </a:rPr>
+              <a:t> </a:t>
+            </a:r>
+            <a:r>
+              <a:rPr lang="ru-RU" sz="3600" b="1" dirty="0" err="1">
+                <a:solidFill>
+                  <a:srgbClr val="002060"/>
+                </a:solidFill>
+              </a:rPr>
+              <a:t>млин</a:t>
+            </a:r>
+            <a:r>
+              <a:rPr lang="ru-RU" sz="3600" b="1" dirty="0">
+                <a:solidFill>
+                  <a:srgbClr val="002060"/>
+                </a:solidFill>
+              </a:rPr>
+              <a:t> ВМ6</a:t>
+            </a:r>
+            <a:r>
+              <a:rPr lang="en-US" sz="3600" b="1" dirty="0">
+                <a:solidFill>
+                  <a:srgbClr val="002060"/>
+                </a:solidFill>
+              </a:rPr>
+              <a:t>Pro </a:t>
+            </a:r>
+            <a:endParaRPr lang="fr-FR" sz="3600" b="1" dirty="0">
+              <a:solidFill>
+                <a:srgbClr val="082765"/>
+              </a:solidFill>
+            </a:endParaRPr>
+          </a:p>
+        </p:txBody>
+      </p:sp>
+      <p:sp>
+        <p:nvSpPr>
+          <p:cNvPr id="29" name="TextBox 28">
+            <a:extLst>
+              <a:ext uri="{FF2B5EF4-FFF2-40B4-BE49-F238E27FC236}">
+                <a16:creationId xmlns:a16="http://schemas.microsoft.com/office/drawing/2014/main" id="{C66C2EF4-25E6-13FE-102D-298B081DD45E}"/>
+              </a:ext>
+            </a:extLst>
+          </p:cNvPr>
+          <p:cNvSpPr txBox="1"/>
+          <p:nvPr/>
+        </p:nvSpPr>
+        <p:spPr>
+          <a:xfrm>
+            <a:off x="4310838" y="2856486"/>
+            <a:ext cx="2947647" cy="584775"/>
+          </a:xfrm>
+          <a:prstGeom prst="rect">
+            <a:avLst/>
+          </a:prstGeom>
+          <a:noFill/>
+        </p:spPr>
+        <p:txBody>
+          <a:bodyPr wrap="square">
+            <a:spAutoFit/>
+          </a:bodyPr>
+          <a:lstStyle/>
+          <a:p>
+            <a:pPr lvl="0"/>
+            <a:r>
+              <a:rPr lang="uk-UA" sz="3200" b="1" dirty="0">
+                <a:solidFill>
+                  <a:srgbClr val="C00000"/>
+                </a:solidFill>
+                <a:latin typeface="Open Sans"/>
+                <a:ea typeface="Open Sans"/>
+                <a:cs typeface="Open Sans"/>
+              </a:rPr>
+              <a:t>400 тис. грн.</a:t>
+            </a:r>
+          </a:p>
+        </p:txBody>
+      </p:sp>
+      <p:sp>
+        <p:nvSpPr>
+          <p:cNvPr id="7" name="TextBox 6">
+            <a:extLst>
+              <a:ext uri="{FF2B5EF4-FFF2-40B4-BE49-F238E27FC236}">
+                <a16:creationId xmlns:a16="http://schemas.microsoft.com/office/drawing/2014/main" id="{84B6DCD4-8981-4E40-F8E9-D2E357736B5C}"/>
+              </a:ext>
+            </a:extLst>
+          </p:cNvPr>
+          <p:cNvSpPr txBox="1"/>
+          <p:nvPr/>
+        </p:nvSpPr>
+        <p:spPr>
+          <a:xfrm>
+            <a:off x="1577313" y="4520633"/>
+            <a:ext cx="5952597" cy="1200329"/>
+          </a:xfrm>
+          <a:prstGeom prst="rect">
+            <a:avLst/>
+          </a:prstGeom>
+          <a:noFill/>
+        </p:spPr>
+        <p:txBody>
+          <a:bodyPr wrap="square">
+            <a:spAutoFit/>
+          </a:bodyPr>
+          <a:lstStyle/>
+          <a:p>
+            <a:pPr algn="r"/>
+            <a:r>
+              <a:rPr lang="ru-RU" sz="3600" b="1" dirty="0" err="1">
+                <a:solidFill>
+                  <a:srgbClr val="002060"/>
+                </a:solidFill>
+              </a:rPr>
+              <a:t>Фрезерний</a:t>
+            </a:r>
+            <a:r>
+              <a:rPr lang="ru-RU" sz="3600" b="1" dirty="0">
+                <a:solidFill>
+                  <a:srgbClr val="002060"/>
+                </a:solidFill>
+              </a:rPr>
+              <a:t> станок ЧПУ “Сокол 3040”</a:t>
+            </a:r>
+            <a:endParaRPr lang="uk-UA" sz="3600" b="1" dirty="0">
+              <a:solidFill>
+                <a:srgbClr val="082765"/>
+              </a:solidFill>
+            </a:endParaRPr>
+          </a:p>
+        </p:txBody>
+      </p:sp>
+      <p:sp>
+        <p:nvSpPr>
+          <p:cNvPr id="8" name="TextBox 7">
+            <a:extLst>
+              <a:ext uri="{FF2B5EF4-FFF2-40B4-BE49-F238E27FC236}">
+                <a16:creationId xmlns:a16="http://schemas.microsoft.com/office/drawing/2014/main" id="{54801D9E-F138-38FA-48A2-C58902373EA3}"/>
+              </a:ext>
+            </a:extLst>
+          </p:cNvPr>
+          <p:cNvSpPr txBox="1"/>
+          <p:nvPr/>
+        </p:nvSpPr>
+        <p:spPr>
+          <a:xfrm>
+            <a:off x="4955457" y="5664147"/>
+            <a:ext cx="2947647" cy="584775"/>
+          </a:xfrm>
+          <a:prstGeom prst="rect">
+            <a:avLst/>
+          </a:prstGeom>
+          <a:noFill/>
+        </p:spPr>
+        <p:txBody>
+          <a:bodyPr wrap="square">
+            <a:spAutoFit/>
+          </a:bodyPr>
+          <a:lstStyle/>
+          <a:p>
+            <a:pPr lvl="0"/>
+            <a:r>
+              <a:rPr lang="en-US" sz="3200" b="1" dirty="0">
+                <a:solidFill>
+                  <a:srgbClr val="C00000"/>
+                </a:solidFill>
+                <a:latin typeface="Open Sans"/>
+                <a:ea typeface="Open Sans"/>
+                <a:cs typeface="Open Sans"/>
+              </a:rPr>
+              <a:t>4</a:t>
+            </a:r>
+            <a:r>
+              <a:rPr lang="uk-UA" sz="3200" b="1" dirty="0">
+                <a:solidFill>
+                  <a:srgbClr val="C00000"/>
+                </a:solidFill>
+                <a:latin typeface="Open Sans"/>
+                <a:ea typeface="Open Sans"/>
+                <a:cs typeface="Open Sans"/>
+              </a:rPr>
+              <a:t>5 тис. грн.</a:t>
+            </a:r>
+          </a:p>
+        </p:txBody>
+      </p:sp>
+      <p:sp>
+        <p:nvSpPr>
+          <p:cNvPr id="5" name="Rectangle 1">
+            <a:extLst>
+              <a:ext uri="{FF2B5EF4-FFF2-40B4-BE49-F238E27FC236}">
+                <a16:creationId xmlns:a16="http://schemas.microsoft.com/office/drawing/2014/main" id="{727954E5-32E3-43CB-8006-80B9A07B59C2}"/>
+              </a:ext>
+            </a:extLst>
+          </p:cNvPr>
+          <p:cNvSpPr>
+            <a:spLocks noChangeArrowheads="1"/>
+          </p:cNvSpPr>
+          <p:nvPr/>
+        </p:nvSpPr>
+        <p:spPr bwMode="auto">
+          <a:xfrm>
+            <a:off x="5318125" y="3606800"/>
+            <a:ext cx="12192000" cy="0"/>
+          </a:xfrm>
+          <a:prstGeom prst="rect">
+            <a:avLst/>
+          </a:prstGeom>
+          <a:noFill/>
           <a:ln>
             <a:noFill/>
           </a:ln>
-          <a:effectLst>
-            <a:outerShdw blurRad="50800" dist="38100" dir="18900000" algn="bl" rotWithShape="0">
-              <a:prstClr val="black">
-                <a:alpha val="40000"/>
-              </a:prstClr>
-            </a:outerShdw>
-          </a:effectLst>
-        </p:spPr>
-      </p:pic>
+          <a:effectLst/>
+          <a:extLst>
+            <a:ext uri="{909E8E84-426E-40DD-AFC4-6F175D3DCCD1}">
+              <a14:hiddenFill xmlns:a14="http://schemas.microsoft.com/office/drawing/2010/main">
+                <a:solidFill>
+                  <a:schemeClr val="accent1"/>
+                </a:solidFill>
+              </a14:hiddenFill>
+            </a:ext>
+            <a:ext uri="{91240B29-F687-4F45-9708-019B960494DF}">
+              <a14:hiddenLine xmlns:a14="http://schemas.microsoft.com/office/drawing/2010/main" w="9525">
+                <a:solidFill>
+                  <a:schemeClr val="tx1"/>
+                </a:solidFill>
+                <a:miter lim="800000"/>
+                <a:headEnd/>
+                <a:tailEnd/>
+              </a14:hiddenLine>
+            </a:ext>
+            <a:ext uri="{AF507438-7753-43E0-B8FC-AC1667EBCBE1}">
+              <a14:hiddenEffects xmlns:a14="http://schemas.microsoft.com/office/drawing/2010/main">
+                <a:effectLst>
+                  <a:outerShdw dist="35921" dir="2700000" algn="ctr" rotWithShape="0">
+                    <a:schemeClr val="bg2"/>
+                  </a:outerShdw>
+                </a:effectLst>
+              </a14:hiddenEffects>
+            </a:ext>
+          </a:extLst>
+        </p:spPr>
+        <p:txBody>
+          <a:bodyPr vert="horz" wrap="none" lIns="91440" tIns="45720" rIns="91440" bIns="45720" numCol="1" anchor="ctr" anchorCtr="0" compatLnSpc="1">
+            <a:prstTxWarp prst="textNoShape">
+              <a:avLst/>
+            </a:prstTxWarp>
+            <a:spAutoFit/>
+          </a:bodyPr>
+          <a:lstStyle/>
+          <a:p>
+            <a:pPr marL="0" marR="0" lvl="0" indent="0" algn="l" defTabSz="914400" rtl="0" eaLnBrk="0" fontAlgn="base" latinLnBrk="0" hangingPunct="0">
+              <a:lnSpc>
+                <a:spcPct val="100000"/>
+              </a:lnSpc>
+              <a:spcBef>
+                <a:spcPct val="0"/>
+              </a:spcBef>
+              <a:spcAft>
+                <a:spcPct val="0"/>
+              </a:spcAft>
+              <a:buClrTx/>
+              <a:buSzTx/>
+              <a:buFontTx/>
+              <a:buNone/>
+              <a:tabLst/>
+            </a:pPr>
+            <a:br>
+              <a:rPr kumimoji="0" lang="uk-UA" altLang="uk-UA" sz="1800" b="0" i="0" u="none" strike="noStrike" cap="none" normalizeH="0" baseline="0">
+                <a:ln>
+                  <a:noFill/>
+                </a:ln>
+                <a:solidFill>
+                  <a:schemeClr val="tx1"/>
+                </a:solidFill>
+                <a:effectLst/>
+                <a:latin typeface="Arial" panose="020B0604020202020204" pitchFamily="34" charset="0"/>
+              </a:rPr>
+            </a:br>
+            <a:endParaRPr kumimoji="0" lang="uk-UA" altLang="uk-UA" sz="1800" b="0" i="0" u="none" strike="noStrike" cap="none" normalizeH="0" baseline="0">
+              <a:ln>
+                <a:noFill/>
+              </a:ln>
+              <a:solidFill>
+                <a:schemeClr val="tx1"/>
+              </a:solidFill>
+              <a:effectLst/>
+              <a:latin typeface="Arial" panose="020B0604020202020204" pitchFamily="34" charset="0"/>
+            </a:endParaRPr>
+          </a:p>
+        </p:txBody>
+      </p:sp>
       <p:pic>
         <p:nvPicPr>
-          <p:cNvPr id="22" name="Рисунок 21"/>
+          <p:cNvPr id="6" name="Рисунок 5">
+            <a:extLst>
+              <a:ext uri="{FF2B5EF4-FFF2-40B4-BE49-F238E27FC236}">
+                <a16:creationId xmlns:a16="http://schemas.microsoft.com/office/drawing/2014/main" id="{94425CC6-377A-3F82-68EC-D6A97809D8B4}"/>
+              </a:ext>
+            </a:extLst>
+          </p:cNvPr>
           <p:cNvPicPr>
             <a:picLocks noChangeAspect="1"/>
           </p:cNvPicPr>
           <p:nvPr/>
         </p:nvPicPr>
         <p:blipFill>
-          <a:blip r:embed="rId3" cstate="print">
+          <a:blip r:embed="rId3">
             <a:extLst>
               <a:ext uri="{28A0092B-C50C-407E-A947-70E740481C1C}">
                 <a14:useLocalDpi xmlns:a14="http://schemas.microsoft.com/office/drawing/2010/main" val="0"/>
               </a:ext>
             </a:extLst>
           </a:blip>
+          <a:srcRect l="13441" t="17230" r="21026" b="17230"/>
           <a:stretch>
             <a:fillRect/>
           </a:stretch>
         </p:blipFill>
         <p:spPr>
           <a:xfrm>
-            <a:off x="6267368" y="1349444"/>
-            <a:ext cx="806400" cy="810000"/>
+            <a:off x="957877" y="1266519"/>
+            <a:ext cx="3187898" cy="3188247"/>
           </a:xfrm>
           <a:prstGeom prst="rect">
             <a:avLst/>
           </a:prstGeom>
-          <a:effectLst>
-            <a:outerShdw blurRad="50800" dist="38100" dir="18900000" algn="bl" rotWithShape="0">
-              <a:prstClr val="black">
-                <a:alpha val="40000"/>
-              </a:prstClr>
-            </a:outerShdw>
-          </a:effectLst>
         </p:spPr>
       </p:pic>
-      <p:sp>
-        <p:nvSpPr>
-          <p:cNvPr id="5" name="TextBox 4"/>
-          <p:cNvSpPr txBox="1"/>
-          <p:nvPr/>
-        </p:nvSpPr>
-        <p:spPr>
-          <a:xfrm>
-            <a:off x="787814" y="4230121"/>
-            <a:ext cx="3361818" cy="523220"/>
-          </a:xfrm>
-          <a:prstGeom prst="rect">
-            <a:avLst/>
-          </a:prstGeom>
-          <a:noFill/>
-        </p:spPr>
-        <p:txBody>
-          <a:bodyPr wrap="none" rtlCol="0">
-            <a:spAutoFit/>
-          </a:bodyPr>
-          <a:lstStyle/>
-          <a:p>
-            <a:r>
-              <a:rPr lang="en-US" sz="2800" dirty="0">
-                <a:solidFill>
-                  <a:srgbClr val="0070C0"/>
-                </a:solidFill>
-                <a:hlinkClick r:id="rId4"/>
-              </a:rPr>
-              <a:t>www.metphys.knu.ua</a:t>
-            </a:r>
-            <a:r>
-              <a:rPr lang="en-US" dirty="0"/>
-              <a:t> </a:t>
-            </a:r>
-            <a:endParaRPr lang="uk-UA" dirty="0"/>
-          </a:p>
-        </p:txBody>
-      </p:sp>
-      <p:sp>
-        <p:nvSpPr>
-          <p:cNvPr id="25" name="TextBox 24"/>
-          <p:cNvSpPr txBox="1"/>
-          <p:nvPr/>
-        </p:nvSpPr>
-        <p:spPr>
-          <a:xfrm>
-            <a:off x="7035883" y="4230121"/>
-            <a:ext cx="3491661" cy="523220"/>
-          </a:xfrm>
-          <a:prstGeom prst="rect">
-            <a:avLst/>
-          </a:prstGeom>
-          <a:noFill/>
-        </p:spPr>
-        <p:txBody>
-          <a:bodyPr wrap="none" rtlCol="0">
-            <a:spAutoFit/>
-          </a:bodyPr>
-          <a:lstStyle/>
-          <a:p>
-            <a:r>
-              <a:rPr lang="en-US" sz="2800" dirty="0">
-                <a:solidFill>
-                  <a:srgbClr val="0070C0"/>
-                </a:solidFill>
-                <a:hlinkClick r:id="rId5"/>
-              </a:rPr>
-              <a:t>www.gen.phys.knu.ua</a:t>
-            </a:r>
-            <a:r>
-              <a:rPr lang="en-US" sz="2800" dirty="0">
-                <a:solidFill>
-                  <a:srgbClr val="0070C0"/>
-                </a:solidFill>
-              </a:rPr>
-              <a:t> </a:t>
-            </a:r>
-            <a:r>
-              <a:rPr lang="en-US" dirty="0"/>
-              <a:t> </a:t>
-            </a:r>
-            <a:endParaRPr lang="uk-UA" dirty="0"/>
-          </a:p>
-        </p:txBody>
-      </p:sp>
-      <p:pic>
-        <p:nvPicPr>
-          <p:cNvPr id="6" name="Рисунок 5"/>
-          <p:cNvPicPr>
-            <a:picLocks noChangeAspect="1"/>
-          </p:cNvPicPr>
-          <p:nvPr/>
-        </p:nvPicPr>
-        <p:blipFill rotWithShape="1">
-          <a:blip r:embed="rId6" cstate="print">
-            <a:extLst>
-              <a:ext uri="{28A0092B-C50C-407E-A947-70E740481C1C}">
-                <a14:useLocalDpi xmlns:a14="http://schemas.microsoft.com/office/drawing/2010/main" val="0"/>
-              </a:ext>
-            </a:extLst>
-          </a:blip>
-          <a:srcRect r="81541" b="73201"/>
-          <a:stretch/>
-        </p:blipFill>
-        <p:spPr>
-          <a:xfrm>
-            <a:off x="108303" y="4149731"/>
-            <a:ext cx="679511" cy="684000"/>
-          </a:xfrm>
-          <a:prstGeom prst="rect">
-            <a:avLst/>
-          </a:prstGeom>
-        </p:spPr>
-      </p:pic>
-      <p:pic>
-        <p:nvPicPr>
-          <p:cNvPr id="27" name="Рисунок 26"/>
-          <p:cNvPicPr>
-            <a:picLocks noChangeAspect="1"/>
-          </p:cNvPicPr>
-          <p:nvPr/>
-        </p:nvPicPr>
-        <p:blipFill rotWithShape="1">
-          <a:blip r:embed="rId6" cstate="print">
-            <a:extLst>
-              <a:ext uri="{28A0092B-C50C-407E-A947-70E740481C1C}">
-                <a14:useLocalDpi xmlns:a14="http://schemas.microsoft.com/office/drawing/2010/main" val="0"/>
-              </a:ext>
-            </a:extLst>
-          </a:blip>
-          <a:srcRect r="81541" b="73201"/>
-          <a:stretch/>
-        </p:blipFill>
-        <p:spPr>
-          <a:xfrm>
-            <a:off x="6327102" y="4149731"/>
-            <a:ext cx="679511" cy="684000"/>
-          </a:xfrm>
-          <a:prstGeom prst="rect">
-            <a:avLst/>
-          </a:prstGeom>
-        </p:spPr>
-      </p:pic>
-      <p:sp>
-        <p:nvSpPr>
-          <p:cNvPr id="9" name="Прямокутник 8"/>
-          <p:cNvSpPr/>
-          <p:nvPr/>
-        </p:nvSpPr>
-        <p:spPr>
-          <a:xfrm>
-            <a:off x="786706" y="5581054"/>
-            <a:ext cx="4695516" cy="523220"/>
-          </a:xfrm>
-          <a:prstGeom prst="rect">
-            <a:avLst/>
-          </a:prstGeom>
-        </p:spPr>
-        <p:txBody>
-          <a:bodyPr wrap="none">
-            <a:spAutoFit/>
-          </a:bodyPr>
-          <a:lstStyle/>
-          <a:p>
-            <a:r>
-              <a:rPr lang="uk-UA" sz="2800" dirty="0">
-                <a:solidFill>
-                  <a:srgbClr val="0070C0"/>
-                </a:solidFill>
-              </a:rPr>
-              <a:t>facebook.com/</a:t>
-            </a:r>
-            <a:r>
-              <a:rPr lang="uk-UA" sz="2800" dirty="0" err="1">
-                <a:solidFill>
-                  <a:srgbClr val="0070C0"/>
-                </a:solidFill>
-              </a:rPr>
-              <a:t>groups</a:t>
-            </a:r>
-            <a:r>
-              <a:rPr lang="uk-UA" sz="2800" dirty="0">
-                <a:solidFill>
-                  <a:srgbClr val="0070C0"/>
-                </a:solidFill>
-              </a:rPr>
-              <a:t>/</a:t>
-            </a:r>
-            <a:r>
-              <a:rPr lang="uk-UA" sz="2800" dirty="0" err="1">
-                <a:solidFill>
-                  <a:srgbClr val="0070C0"/>
-                </a:solidFill>
-              </a:rPr>
-              <a:t>metphys</a:t>
-            </a:r>
-            <a:r>
-              <a:rPr lang="en-US" sz="2800" dirty="0">
-                <a:solidFill>
-                  <a:srgbClr val="0070C0"/>
-                </a:solidFill>
-              </a:rPr>
-              <a:t> </a:t>
-            </a:r>
-            <a:endParaRPr lang="uk-UA" sz="2800" dirty="0">
-              <a:solidFill>
-                <a:srgbClr val="0070C0"/>
-              </a:solidFill>
-            </a:endParaRPr>
-          </a:p>
-        </p:txBody>
-      </p:sp>
-      <p:pic>
-        <p:nvPicPr>
-          <p:cNvPr id="10" name="Рисунок 9"/>
-          <p:cNvPicPr>
-            <a:picLocks noChangeAspect="1"/>
-          </p:cNvPicPr>
-          <p:nvPr/>
-        </p:nvPicPr>
-        <p:blipFill>
-          <a:blip r:embed="rId7" cstate="print">
-            <a:extLst>
-              <a:ext uri="{28A0092B-C50C-407E-A947-70E740481C1C}">
-                <a14:useLocalDpi xmlns:a14="http://schemas.microsoft.com/office/drawing/2010/main" val="0"/>
-              </a:ext>
-            </a:extLst>
-          </a:blip>
-          <a:stretch>
-            <a:fillRect/>
-          </a:stretch>
-        </p:blipFill>
-        <p:spPr>
-          <a:xfrm>
-            <a:off x="-28006" y="5442090"/>
-            <a:ext cx="900000" cy="900000"/>
-          </a:xfrm>
-          <a:prstGeom prst="rect">
-            <a:avLst/>
-          </a:prstGeom>
-        </p:spPr>
-      </p:pic>
-      <p:sp>
-        <p:nvSpPr>
-          <p:cNvPr id="37" name="Прямокутник 36"/>
-          <p:cNvSpPr/>
-          <p:nvPr/>
-        </p:nvSpPr>
-        <p:spPr>
-          <a:xfrm>
-            <a:off x="6982517" y="5518931"/>
-            <a:ext cx="5222905" cy="461665"/>
-          </a:xfrm>
-          <a:prstGeom prst="rect">
-            <a:avLst/>
-          </a:prstGeom>
-        </p:spPr>
-        <p:txBody>
-          <a:bodyPr wrap="none">
-            <a:spAutoFit/>
-          </a:bodyPr>
-          <a:lstStyle/>
-          <a:p>
-            <a:r>
-              <a:rPr lang="en-US" sz="2400" dirty="0">
-                <a:solidFill>
-                  <a:srgbClr val="0070C0"/>
-                </a:solidFill>
-              </a:rPr>
-              <a:t>facebook.com/groups/485623833137100 </a:t>
-            </a:r>
-            <a:endParaRPr lang="uk-UA" sz="2400" dirty="0">
-              <a:solidFill>
-                <a:srgbClr val="0070C0"/>
-              </a:solidFill>
-            </a:endParaRPr>
-          </a:p>
-        </p:txBody>
-      </p:sp>
-      <p:pic>
-        <p:nvPicPr>
-          <p:cNvPr id="42" name="Рисунок 41"/>
-          <p:cNvPicPr>
-            <a:picLocks noChangeAspect="1"/>
-          </p:cNvPicPr>
-          <p:nvPr/>
-        </p:nvPicPr>
-        <p:blipFill>
-          <a:blip r:embed="rId7" cstate="print">
-            <a:extLst>
-              <a:ext uri="{28A0092B-C50C-407E-A947-70E740481C1C}">
-                <a14:useLocalDpi xmlns:a14="http://schemas.microsoft.com/office/drawing/2010/main" val="0"/>
-              </a:ext>
-            </a:extLst>
-          </a:blip>
-          <a:stretch>
-            <a:fillRect/>
-          </a:stretch>
-        </p:blipFill>
-        <p:spPr>
-          <a:xfrm>
-            <a:off x="6190566" y="5298929"/>
-            <a:ext cx="900000" cy="900000"/>
-          </a:xfrm>
-          <a:prstGeom prst="rect">
-            <a:avLst/>
-          </a:prstGeom>
-        </p:spPr>
-      </p:pic>
-      <p:pic>
-        <p:nvPicPr>
-          <p:cNvPr id="11" name="Рисунок 10"/>
-          <p:cNvPicPr>
-            <a:picLocks noChangeAspect="1"/>
-          </p:cNvPicPr>
-          <p:nvPr/>
-        </p:nvPicPr>
-        <p:blipFill>
-          <a:blip r:embed="rId8" cstate="print">
-            <a:extLst>
-              <a:ext uri="{28A0092B-C50C-407E-A947-70E740481C1C}">
-                <a14:useLocalDpi xmlns:a14="http://schemas.microsoft.com/office/drawing/2010/main" val="0"/>
-              </a:ext>
-            </a:extLst>
-          </a:blip>
-          <a:stretch>
-            <a:fillRect/>
-          </a:stretch>
-        </p:blipFill>
-        <p:spPr>
-          <a:xfrm>
-            <a:off x="66584" y="2837125"/>
-            <a:ext cx="720000" cy="720000"/>
-          </a:xfrm>
-          <a:prstGeom prst="rect">
-            <a:avLst/>
-          </a:prstGeom>
-        </p:spPr>
-      </p:pic>
-      <p:sp>
-        <p:nvSpPr>
-          <p:cNvPr id="43" name="TextBox 42"/>
-          <p:cNvSpPr txBox="1"/>
-          <p:nvPr/>
-        </p:nvSpPr>
-        <p:spPr>
-          <a:xfrm>
-            <a:off x="778270" y="2900654"/>
-            <a:ext cx="3565573" cy="523220"/>
-          </a:xfrm>
-          <a:prstGeom prst="rect">
-            <a:avLst/>
-          </a:prstGeom>
-          <a:noFill/>
-        </p:spPr>
-        <p:txBody>
-          <a:bodyPr wrap="square" rtlCol="0">
-            <a:spAutoFit/>
-          </a:bodyPr>
-          <a:lstStyle/>
-          <a:p>
-            <a:r>
-              <a:rPr lang="en-US" sz="2800" dirty="0">
-                <a:hlinkClick r:id="rId9"/>
-              </a:rPr>
-              <a:t>metphys@univ.net.ua</a:t>
-            </a:r>
-            <a:r>
-              <a:rPr lang="en-US" sz="2800" dirty="0"/>
-              <a:t> </a:t>
-            </a:r>
-            <a:endParaRPr lang="uk-UA" sz="2800" dirty="0"/>
-          </a:p>
-        </p:txBody>
-      </p:sp>
-      <p:pic>
-        <p:nvPicPr>
-          <p:cNvPr id="44" name="Рисунок 43"/>
-          <p:cNvPicPr>
-            <a:picLocks noChangeAspect="1"/>
-          </p:cNvPicPr>
-          <p:nvPr/>
-        </p:nvPicPr>
-        <p:blipFill>
-          <a:blip r:embed="rId8" cstate="print">
-            <a:extLst>
-              <a:ext uri="{28A0092B-C50C-407E-A947-70E740481C1C}">
-                <a14:useLocalDpi xmlns:a14="http://schemas.microsoft.com/office/drawing/2010/main" val="0"/>
-              </a:ext>
-            </a:extLst>
-          </a:blip>
-          <a:stretch>
-            <a:fillRect/>
-          </a:stretch>
-        </p:blipFill>
-        <p:spPr>
-          <a:xfrm>
-            <a:off x="6234206" y="2837125"/>
-            <a:ext cx="720000" cy="720000"/>
-          </a:xfrm>
-          <a:prstGeom prst="rect">
-            <a:avLst/>
-          </a:prstGeom>
-        </p:spPr>
-      </p:pic>
-      <p:sp>
-        <p:nvSpPr>
-          <p:cNvPr id="45" name="TextBox 44"/>
-          <p:cNvSpPr txBox="1"/>
-          <p:nvPr/>
-        </p:nvSpPr>
-        <p:spPr>
-          <a:xfrm>
-            <a:off x="6933962" y="2883962"/>
-            <a:ext cx="3565573" cy="523220"/>
-          </a:xfrm>
-          <a:prstGeom prst="rect">
-            <a:avLst/>
-          </a:prstGeom>
-          <a:noFill/>
-        </p:spPr>
-        <p:txBody>
-          <a:bodyPr wrap="square" rtlCol="0">
-            <a:spAutoFit/>
-          </a:bodyPr>
-          <a:lstStyle/>
-          <a:p>
-            <a:r>
-              <a:rPr lang="en-US" sz="2800" dirty="0">
-                <a:hlinkClick r:id="rId10"/>
-              </a:rPr>
-              <a:t>olegolikh@knu.ua</a:t>
-            </a:r>
-            <a:r>
-              <a:rPr lang="en-US" sz="2800" dirty="0"/>
-              <a:t>  </a:t>
-            </a:r>
-            <a:endParaRPr lang="uk-UA" sz="2800" dirty="0"/>
-          </a:p>
-        </p:txBody>
-      </p:sp>
     </p:spTree>
     <p:extLst>
       <p:ext uri="{BB962C8B-B14F-4D97-AF65-F5344CB8AC3E}">
-        <p14:creationId xmlns:p14="http://schemas.microsoft.com/office/powerpoint/2010/main" val="3839437865"/>
+        <p14:creationId xmlns:p14="http://schemas.microsoft.com/office/powerpoint/2010/main" val="556222711"/>
       </p:ext>
     </p:extLst>
   </p:cSld>
   <p:clrMapOvr>
     <a:masterClrMapping/>
   </p:clrMapOvr>
-  <mc:AlternateContent xmlns:mc="http://schemas.openxmlformats.org/markup-compatibility/2006" xmlns:p14="http://schemas.microsoft.com/office/powerpoint/2010/main">
-    <mc:Choice Requires="p14">
-      <p:transition spd="slow" p14:dur="1500">
-        <p:split orient="vert"/>
-      </p:transition>
-    </mc:Choice>
-    <mc:Fallback xmlns="">
-      <p:transition spd="slow">
-        <p:split orient="vert"/>
-      </p:transition>
-    </mc:Fallback>
-  </mc:AlternateContent>
+  <p:transition spd="slow">
+    <p:wipe/>
+  </p:transition>
 </p:sld>
 </file>
 
